--- a/HTML5 웹.pptx
+++ b/HTML5 웹.pptx
@@ -13,6 +13,8 @@
     <p:sldId id="262" r:id="rId7"/>
     <p:sldId id="261" r:id="rId8"/>
     <p:sldId id="263" r:id="rId9"/>
+    <p:sldId id="264" r:id="rId10"/>
+    <p:sldId id="265" r:id="rId11"/>
   </p:sldIdLst>
   <p:sldSz cx="12192000" cy="6858000"/>
   <p:notesSz cx="6858000" cy="9144000"/>
@@ -124,9 +126,14 @@
             <p14:sldId id="262"/>
             <p14:sldId id="261"/>
             <p14:sldId id="263"/>
+            <p14:sldId id="264"/>
+            <p14:sldId id="265"/>
           </p14:sldIdLst>
         </p14:section>
       </p14:sectionLst>
+    </p:ext>
+    <p:ext uri="{EFAFB233-063F-42B5-8137-9DF3F51BA10A}">
+      <p15:sldGuideLst xmlns:p15="http://schemas.microsoft.com/office/powerpoint/2012/main"/>
     </p:ext>
   </p:extLst>
 </p:presentation>
@@ -3957,6 +3964,70 @@
 </p:sld>
 </file>
 
+<file path=ppt/slides/slide10.xml><?xml version="1.0" encoding="utf-8"?>
+<p:sld xmlns:a="http://schemas.openxmlformats.org/drawingml/2006/main" xmlns:r="http://schemas.openxmlformats.org/officeDocument/2006/relationships" xmlns:p="http://schemas.openxmlformats.org/presentationml/2006/main">
+  <p:cSld>
+    <p:spTree>
+      <p:nvGrpSpPr>
+        <p:cNvPr id="1" name=""/>
+        <p:cNvGrpSpPr/>
+        <p:nvPr/>
+      </p:nvGrpSpPr>
+      <p:grpSpPr>
+        <a:xfrm>
+          <a:off x="0" y="0"/>
+          <a:ext cx="0" cy="0"/>
+          <a:chOff x="0" y="0"/>
+          <a:chExt cx="0" cy="0"/>
+        </a:xfrm>
+      </p:grpSpPr>
+      <p:sp>
+        <p:nvSpPr>
+          <p:cNvPr id="2" name="제목 1">
+            <a:extLst>
+              <a:ext uri="{FF2B5EF4-FFF2-40B4-BE49-F238E27FC236}">
+                <a16:creationId xmlns:a16="http://schemas.microsoft.com/office/drawing/2014/main" id="{8C86D36F-0DF6-DC9B-91B0-C469B38E9E7E}"/>
+              </a:ext>
+            </a:extLst>
+          </p:cNvPr>
+          <p:cNvSpPr>
+            <a:spLocks noGrp="1"/>
+          </p:cNvSpPr>
+          <p:nvPr>
+            <p:ph type="title"/>
+          </p:nvPr>
+        </p:nvSpPr>
+        <p:spPr>
+          <a:xfrm>
+            <a:off x="1396093" y="2686050"/>
+            <a:ext cx="9601200" cy="1485900"/>
+          </a:xfrm>
+        </p:spPr>
+        <p:txBody>
+          <a:bodyPr/>
+          <a:lstStyle/>
+          <a:p>
+            <a:pPr algn="ctr"/>
+            <a:r>
+              <a:rPr lang="ko-KR" altLang="en-US" dirty="0"/>
+              <a:t>감사합니다</a:t>
+            </a:r>
+          </a:p>
+        </p:txBody>
+      </p:sp>
+    </p:spTree>
+    <p:extLst>
+      <p:ext uri="{BB962C8B-B14F-4D97-AF65-F5344CB8AC3E}">
+        <p14:creationId xmlns:p14="http://schemas.microsoft.com/office/powerpoint/2010/main" val="2677949847"/>
+      </p:ext>
+    </p:extLst>
+  </p:cSld>
+  <p:clrMapOvr>
+    <a:masterClrMapping/>
+  </p:clrMapOvr>
+</p:sld>
+</file>
+
 <file path=ppt/slides/slide2.xml><?xml version="1.0" encoding="utf-8"?>
 <p:sld xmlns:a="http://schemas.openxmlformats.org/drawingml/2006/main" xmlns:r="http://schemas.openxmlformats.org/officeDocument/2006/relationships" xmlns:p="http://schemas.openxmlformats.org/presentationml/2006/main">
   <p:cSld>
@@ -4673,6 +4744,161 @@
     <p:extLst>
       <p:ext uri="{BB962C8B-B14F-4D97-AF65-F5344CB8AC3E}">
         <p14:creationId xmlns:p14="http://schemas.microsoft.com/office/powerpoint/2010/main" val="1793345646"/>
+      </p:ext>
+    </p:extLst>
+  </p:cSld>
+  <p:clrMapOvr>
+    <a:masterClrMapping/>
+  </p:clrMapOvr>
+</p:sld>
+</file>
+
+<file path=ppt/slides/slide9.xml><?xml version="1.0" encoding="utf-8"?>
+<p:sld xmlns:a="http://schemas.openxmlformats.org/drawingml/2006/main" xmlns:r="http://schemas.openxmlformats.org/officeDocument/2006/relationships" xmlns:p="http://schemas.openxmlformats.org/presentationml/2006/main">
+  <p:cSld>
+    <p:spTree>
+      <p:nvGrpSpPr>
+        <p:cNvPr id="1" name=""/>
+        <p:cNvGrpSpPr/>
+        <p:nvPr/>
+      </p:nvGrpSpPr>
+      <p:grpSpPr>
+        <a:xfrm>
+          <a:off x="0" y="0"/>
+          <a:ext cx="0" cy="0"/>
+          <a:chOff x="0" y="0"/>
+          <a:chExt cx="0" cy="0"/>
+        </a:xfrm>
+      </p:grpSpPr>
+      <p:sp>
+        <p:nvSpPr>
+          <p:cNvPr id="2" name="제목 1">
+            <a:extLst>
+              <a:ext uri="{FF2B5EF4-FFF2-40B4-BE49-F238E27FC236}">
+                <a16:creationId xmlns:a16="http://schemas.microsoft.com/office/drawing/2014/main" id="{C71EE982-E8BA-1235-DBBD-50152C2612BF}"/>
+              </a:ext>
+            </a:extLst>
+          </p:cNvPr>
+          <p:cNvSpPr>
+            <a:spLocks noGrp="1"/>
+          </p:cNvSpPr>
+          <p:nvPr>
+            <p:ph type="title"/>
+          </p:nvPr>
+        </p:nvSpPr>
+        <p:spPr>
+          <a:xfrm>
+            <a:off x="1371600" y="685800"/>
+            <a:ext cx="9601200" cy="734786"/>
+          </a:xfrm>
+        </p:spPr>
+        <p:txBody>
+          <a:bodyPr/>
+          <a:lstStyle/>
+          <a:p>
+            <a:r>
+              <a:rPr lang="ko-KR" altLang="en-US" u="sng" dirty="0"/>
+              <a:t>어려웠던 점</a:t>
+            </a:r>
+          </a:p>
+        </p:txBody>
+      </p:sp>
+      <p:sp>
+        <p:nvSpPr>
+          <p:cNvPr id="3" name="내용 개체 틀 2">
+            <a:extLst>
+              <a:ext uri="{FF2B5EF4-FFF2-40B4-BE49-F238E27FC236}">
+                <a16:creationId xmlns:a16="http://schemas.microsoft.com/office/drawing/2014/main" id="{75896383-4E6F-A174-8280-66FB05CC729A}"/>
+              </a:ext>
+            </a:extLst>
+          </p:cNvPr>
+          <p:cNvSpPr>
+            <a:spLocks noGrp="1"/>
+          </p:cNvSpPr>
+          <p:nvPr>
+            <p:ph idx="1"/>
+          </p:nvPr>
+        </p:nvSpPr>
+        <p:spPr>
+          <a:xfrm>
+            <a:off x="1371600" y="1306286"/>
+            <a:ext cx="9601200" cy="4561114"/>
+          </a:xfrm>
+        </p:spPr>
+        <p:txBody>
+          <a:bodyPr>
+            <a:normAutofit/>
+          </a:bodyPr>
+          <a:lstStyle/>
+          <a:p>
+            <a:pPr marL="0" indent="0" algn="ctr">
+              <a:buNone/>
+            </a:pPr>
+            <a:endParaRPr lang="en-US" altLang="ko-KR" dirty="0"/>
+          </a:p>
+          <a:p>
+            <a:pPr marL="0" indent="0" algn="ctr">
+              <a:buNone/>
+            </a:pPr>
+            <a:r>
+              <a:rPr lang="ko-KR" altLang="en-US" sz="4000" dirty="0"/>
+              <a:t>객체 지향적 코드 생성의 어려움</a:t>
+            </a:r>
+            <a:endParaRPr lang="en-US" altLang="ko-KR" sz="4000" dirty="0"/>
+          </a:p>
+          <a:p>
+            <a:pPr marL="0" indent="0" algn="ctr">
+              <a:buNone/>
+            </a:pPr>
+            <a:endParaRPr lang="en-US" altLang="ko-KR" sz="4000" dirty="0"/>
+          </a:p>
+          <a:p>
+            <a:pPr marL="0" indent="0" algn="ctr">
+              <a:buNone/>
+            </a:pPr>
+            <a:r>
+              <a:rPr lang="en-US" altLang="ko-KR" sz="4000" dirty="0"/>
+              <a:t>Canvas</a:t>
+            </a:r>
+            <a:r>
+              <a:rPr lang="ko-KR" altLang="en-US" sz="4000" dirty="0"/>
+              <a:t>의 최적화</a:t>
+            </a:r>
+            <a:endParaRPr lang="en-US" altLang="ko-KR" sz="4000" dirty="0"/>
+          </a:p>
+          <a:p>
+            <a:pPr marL="0" indent="0" algn="ctr">
+              <a:buNone/>
+            </a:pPr>
+            <a:endParaRPr lang="en-US" altLang="ko-KR" sz="4000" dirty="0"/>
+          </a:p>
+          <a:p>
+            <a:pPr marL="0" indent="0" algn="ctr">
+              <a:buNone/>
+            </a:pPr>
+            <a:r>
+              <a:rPr lang="en-US" altLang="ko-KR" sz="4000" dirty="0"/>
+              <a:t>3</a:t>
+            </a:r>
+            <a:r>
+              <a:rPr lang="ko-KR" altLang="en-US" sz="4000" dirty="0"/>
+              <a:t>초 </a:t>
+            </a:r>
+            <a:r>
+              <a:rPr lang="en-US" altLang="ko-KR" sz="4000" dirty="0"/>
+              <a:t>delay</a:t>
+            </a:r>
+            <a:r>
+              <a:rPr lang="ko-KR" altLang="en-US" sz="4000" dirty="0"/>
+              <a:t>시 동작이 안되도록 제어</a:t>
+            </a:r>
+          </a:p>
+        </p:txBody>
+      </p:sp>
+    </p:spTree>
+    <p:extLst>
+      <p:ext uri="{BB962C8B-B14F-4D97-AF65-F5344CB8AC3E}">
+        <p14:creationId xmlns:p14="http://schemas.microsoft.com/office/powerpoint/2010/main" val="598626119"/>
       </p:ext>
     </p:extLst>
   </p:cSld>
